--- a/proposal.pptx
+++ b/proposal.pptx
@@ -108,6 +108,11 @@
       </a:defRPr>
     </a:lvl9pPr>
   </p:defaultTextStyle>
+  <p:extLst>
+    <p:ext uri="{EFAFB233-063F-42B5-8137-9DF3F51BA10A}">
+      <p15:sldGuideLst xmlns:p15="http://schemas.microsoft.com/office/powerpoint/2012/main" xmlns=""/>
+    </p:ext>
+  </p:extLst>
 </p:presentation>
 </file>
 
@@ -116,7 +121,7 @@
   <p:cmAuthor id="1" name="Amulya Kattimani" initials="AK" lastIdx="0" clrIdx="0">
     <p:extLst>
       <p:ext uri="{19B8F6BF-5375-455C-9EA6-DF929625EA0E}">
-        <p15:presenceInfo xmlns:p15="http://schemas.microsoft.com/office/powerpoint/2012/main" userId="Amulya Kattimani" providerId="None"/>
+        <p15:presenceInfo xmlns:p15="http://schemas.microsoft.com/office/powerpoint/2012/main" xmlns="" userId="Amulya Kattimani" providerId="None"/>
       </p:ext>
     </p:extLst>
   </p:cmAuthor>
@@ -254,7 +259,7 @@
           <a:p>
             <a:fld id="{B18AE6C4-6658-4274-8D58-34022B9C2D61}" type="datetimeFigureOut">
               <a:rPr lang="en-US" smtClean="0"/>
-              <a:t>2/19/2014</a:t>
+              <a:t>2/20/2014</a:t>
             </a:fld>
             <a:endParaRPr lang="en-US"/>
           </a:p>
@@ -424,7 +429,7 @@
           <a:p>
             <a:fld id="{B18AE6C4-6658-4274-8D58-34022B9C2D61}" type="datetimeFigureOut">
               <a:rPr lang="en-US" smtClean="0"/>
-              <a:t>2/19/2014</a:t>
+              <a:t>2/20/2014</a:t>
             </a:fld>
             <a:endParaRPr lang="en-US"/>
           </a:p>
@@ -604,7 +609,7 @@
           <a:p>
             <a:fld id="{B18AE6C4-6658-4274-8D58-34022B9C2D61}" type="datetimeFigureOut">
               <a:rPr lang="en-US" smtClean="0"/>
-              <a:t>2/19/2014</a:t>
+              <a:t>2/20/2014</a:t>
             </a:fld>
             <a:endParaRPr lang="en-US"/>
           </a:p>
@@ -774,7 +779,7 @@
           <a:p>
             <a:fld id="{B18AE6C4-6658-4274-8D58-34022B9C2D61}" type="datetimeFigureOut">
               <a:rPr lang="en-US" smtClean="0"/>
-              <a:t>2/19/2014</a:t>
+              <a:t>2/20/2014</a:t>
             </a:fld>
             <a:endParaRPr lang="en-US"/>
           </a:p>
@@ -1018,7 +1023,7 @@
           <a:p>
             <a:fld id="{B18AE6C4-6658-4274-8D58-34022B9C2D61}" type="datetimeFigureOut">
               <a:rPr lang="en-US" smtClean="0"/>
-              <a:t>2/19/2014</a:t>
+              <a:t>2/20/2014</a:t>
             </a:fld>
             <a:endParaRPr lang="en-US"/>
           </a:p>
@@ -1250,7 +1255,7 @@
           <a:p>
             <a:fld id="{B18AE6C4-6658-4274-8D58-34022B9C2D61}" type="datetimeFigureOut">
               <a:rPr lang="en-US" smtClean="0"/>
-              <a:t>2/19/2014</a:t>
+              <a:t>2/20/2014</a:t>
             </a:fld>
             <a:endParaRPr lang="en-US"/>
           </a:p>
@@ -1617,7 +1622,7 @@
           <a:p>
             <a:fld id="{B18AE6C4-6658-4274-8D58-34022B9C2D61}" type="datetimeFigureOut">
               <a:rPr lang="en-US" smtClean="0"/>
-              <a:t>2/19/2014</a:t>
+              <a:t>2/20/2014</a:t>
             </a:fld>
             <a:endParaRPr lang="en-US"/>
           </a:p>
@@ -1735,7 +1740,7 @@
           <a:p>
             <a:fld id="{B18AE6C4-6658-4274-8D58-34022B9C2D61}" type="datetimeFigureOut">
               <a:rPr lang="en-US" smtClean="0"/>
-              <a:t>2/19/2014</a:t>
+              <a:t>2/20/2014</a:t>
             </a:fld>
             <a:endParaRPr lang="en-US"/>
           </a:p>
@@ -1830,7 +1835,7 @@
           <a:p>
             <a:fld id="{B18AE6C4-6658-4274-8D58-34022B9C2D61}" type="datetimeFigureOut">
               <a:rPr lang="en-US" smtClean="0"/>
-              <a:t>2/19/2014</a:t>
+              <a:t>2/20/2014</a:t>
             </a:fld>
             <a:endParaRPr lang="en-US"/>
           </a:p>
@@ -2107,7 +2112,7 @@
           <a:p>
             <a:fld id="{B18AE6C4-6658-4274-8D58-34022B9C2D61}" type="datetimeFigureOut">
               <a:rPr lang="en-US" smtClean="0"/>
-              <a:t>2/19/2014</a:t>
+              <a:t>2/20/2014</a:t>
             </a:fld>
             <a:endParaRPr lang="en-US"/>
           </a:p>
@@ -2364,7 +2369,7 @@
           <a:p>
             <a:fld id="{B18AE6C4-6658-4274-8D58-34022B9C2D61}" type="datetimeFigureOut">
               <a:rPr lang="en-US" smtClean="0"/>
-              <a:t>2/19/2014</a:t>
+              <a:t>2/20/2014</a:t>
             </a:fld>
             <a:endParaRPr lang="en-US"/>
           </a:p>
@@ -2577,7 +2582,7 @@
           <a:p>
             <a:fld id="{B18AE6C4-6658-4274-8D58-34022B9C2D61}" type="datetimeFigureOut">
               <a:rPr lang="en-US" smtClean="0"/>
-              <a:t>2/19/2014</a:t>
+              <a:t>2/20/2014</a:t>
             </a:fld>
             <a:endParaRPr lang="en-US"/>
           </a:p>
@@ -2984,139 +2989,23 @@
       </p:grpSpPr>
       <p:sp>
         <p:nvSpPr>
-          <p:cNvPr id="2" name="Title 1"/>
-          <p:cNvSpPr>
-            <a:spLocks noGrp="1"/>
-          </p:cNvSpPr>
-          <p:nvPr>
-            <p:ph type="ctrTitle"/>
+          <p:cNvPr id="3" name="Subtitle 2"/>
+          <p:cNvSpPr>
+            <a:spLocks noGrp="1"/>
+          </p:cNvSpPr>
+          <p:nvPr>
+            <p:ph type="subTitle" idx="1"/>
           </p:nvPr>
         </p:nvSpPr>
         <p:spPr>
           <a:xfrm>
-            <a:off x="685800" y="2406315"/>
-            <a:ext cx="7772400" cy="1103647"/>
+            <a:off x="1052763" y="3974326"/>
+            <a:ext cx="7038473" cy="827881"/>
           </a:xfrm>
         </p:spPr>
         <p:txBody>
           <a:bodyPr>
-            <a:noAutofit/>
-          </a:bodyPr>
-          <a:lstStyle/>
-          <a:p>
-            <a:r>
-              <a:rPr lang="en-US" sz="12000" b="1" dirty="0" smtClean="0">
-                <a:gradFill flip="none" rotWithShape="1">
-                  <a:gsLst>
-                    <a:gs pos="0">
-                      <a:schemeClr val="accent5">
-                        <a:lumMod val="89000"/>
-                      </a:schemeClr>
-                    </a:gs>
-                    <a:gs pos="23000">
-                      <a:schemeClr val="accent5">
-                        <a:lumMod val="89000"/>
-                      </a:schemeClr>
-                    </a:gs>
-                    <a:gs pos="69000">
-                      <a:schemeClr val="accent5">
-                        <a:lumMod val="75000"/>
-                      </a:schemeClr>
-                    </a:gs>
-                    <a:gs pos="97000">
-                      <a:schemeClr val="accent5">
-                        <a:lumMod val="70000"/>
-                      </a:schemeClr>
-                    </a:gs>
-                  </a:gsLst>
-                  <a:path path="circle">
-                    <a:fillToRect l="50000" t="50000" r="50000" b="50000"/>
-                  </a:path>
-                  <a:tileRect/>
-                </a:gradFill>
-                <a:effectLst>
-                  <a:glow rad="101600">
-                    <a:schemeClr val="accent1">
-                      <a:lumMod val="75000"/>
-                      <a:alpha val="40000"/>
-                    </a:schemeClr>
-                  </a:glow>
-                  <a:outerShdw blurRad="38100" dist="38100" dir="2700000" algn="tl">
-                    <a:srgbClr val="000000">
-                      <a:alpha val="43137"/>
-                    </a:srgbClr>
-                  </a:outerShdw>
-                </a:effectLst>
-                <a:latin typeface="Colonna MT" panose="04020805060202030203" pitchFamily="82" charset="0"/>
-              </a:rPr>
-              <a:t>infOsmos</a:t>
-            </a:r>
-            <a:endParaRPr lang="en-US" sz="12000" b="1" dirty="0">
-              <a:gradFill flip="none" rotWithShape="1">
-                <a:gsLst>
-                  <a:gs pos="0">
-                    <a:schemeClr val="accent5">
-                      <a:lumMod val="89000"/>
-                    </a:schemeClr>
-                  </a:gs>
-                  <a:gs pos="23000">
-                    <a:schemeClr val="accent5">
-                      <a:lumMod val="89000"/>
-                    </a:schemeClr>
-                  </a:gs>
-                  <a:gs pos="69000">
-                    <a:schemeClr val="accent5">
-                      <a:lumMod val="75000"/>
-                    </a:schemeClr>
-                  </a:gs>
-                  <a:gs pos="97000">
-                    <a:schemeClr val="accent5">
-                      <a:lumMod val="70000"/>
-                    </a:schemeClr>
-                  </a:gs>
-                </a:gsLst>
-                <a:path path="circle">
-                  <a:fillToRect l="50000" t="50000" r="50000" b="50000"/>
-                </a:path>
-                <a:tileRect/>
-              </a:gradFill>
-              <a:effectLst>
-                <a:glow rad="101600">
-                  <a:schemeClr val="accent1">
-                    <a:lumMod val="75000"/>
-                    <a:alpha val="40000"/>
-                  </a:schemeClr>
-                </a:glow>
-                <a:outerShdw blurRad="38100" dist="38100" dir="2700000" algn="tl">
-                  <a:srgbClr val="000000">
-                    <a:alpha val="43137"/>
-                  </a:srgbClr>
-                </a:outerShdw>
-              </a:effectLst>
-              <a:latin typeface="Colonna MT" panose="04020805060202030203" pitchFamily="82" charset="0"/>
-            </a:endParaRPr>
-          </a:p>
-        </p:txBody>
-      </p:sp>
-      <p:sp>
-        <p:nvSpPr>
-          <p:cNvPr id="3" name="Subtitle 2"/>
-          <p:cNvSpPr>
-            <a:spLocks noGrp="1"/>
-          </p:cNvSpPr>
-          <p:nvPr>
-            <p:ph type="subTitle" idx="1"/>
-          </p:nvPr>
-        </p:nvSpPr>
-        <p:spPr>
-          <a:xfrm>
-            <a:off x="1052763" y="3288526"/>
-            <a:ext cx="7038473" cy="827881"/>
-          </a:xfrm>
-        </p:spPr>
-        <p:txBody>
-          <a:bodyPr>
-            <a:normAutofit/>
+            <a:normAutofit fontScale="85000" lnSpcReduction="10000"/>
           </a:bodyPr>
           <a:lstStyle/>
           <a:p>
@@ -3130,7 +3019,7 @@
                   </a:outerShdw>
                 </a:effectLst>
               </a:rPr>
-              <a:t>“Osmosis of Knowledge”</a:t>
+              <a:t>“Osmosis of Info/Knowledge”</a:t>
             </a:r>
             <a:endParaRPr lang="en-US" sz="5000" b="1" dirty="0"/>
           </a:p>
@@ -3144,7 +3033,7 @@
         </p:nvSpPr>
         <p:spPr>
           <a:xfrm>
-            <a:off x="2248525" y="4116407"/>
+            <a:off x="2248525" y="4789507"/>
             <a:ext cx="4542019" cy="369332"/>
           </a:xfrm>
           <a:prstGeom prst="rect">
@@ -3182,6 +3071,36 @@
           </a:p>
         </p:txBody>
       </p:sp>
+      <p:pic>
+        <p:nvPicPr>
+          <p:cNvPr id="7" name="그림 6"/>
+          <p:cNvPicPr>
+            <a:picLocks noChangeAspect="1"/>
+          </p:cNvPicPr>
+          <p:nvPr/>
+        </p:nvPicPr>
+        <p:blipFill>
+          <a:blip r:embed="rId2">
+            <a:extLst>
+              <a:ext uri="{28A0092B-C50C-407E-A947-70E740481C1C}">
+                <a14:useLocalDpi xmlns:a14="http://schemas.microsoft.com/office/drawing/2010/main" val="0"/>
+              </a:ext>
+            </a:extLst>
+          </a:blip>
+          <a:stretch>
+            <a:fillRect/>
+          </a:stretch>
+        </p:blipFill>
+        <p:spPr>
+          <a:xfrm>
+            <a:off x="1194114" y="1333500"/>
+            <a:ext cx="6755769" cy="2789524"/>
+          </a:xfrm>
+          <a:prstGeom prst="rect">
+            <a:avLst/>
+          </a:prstGeom>
+        </p:spPr>
+      </p:pic>
     </p:spTree>
     <p:extLst>
       <p:ext uri="{BB962C8B-B14F-4D97-AF65-F5344CB8AC3E}">
@@ -3236,15 +3155,39 @@
           </a:xfrm>
         </p:spPr>
         <p:txBody>
-          <a:bodyPr/>
+          <a:bodyPr>
+            <a:noAutofit/>
+          </a:bodyPr>
           <a:lstStyle/>
           <a:p>
             <a:pPr algn="ctr"/>
             <a:r>
-              <a:rPr lang="en-US" b="1" dirty="0" smtClean="0"/>
+              <a:rPr lang="en-US" sz="7200" b="1" dirty="0" smtClean="0">
+                <a:ln w="38100">
+                  <a:solidFill>
+                    <a:schemeClr val="tx1"/>
+                  </a:solidFill>
+                </a:ln>
+                <a:solidFill>
+                  <a:srgbClr val="71D3F2"/>
+                </a:solidFill>
+                <a:latin typeface="좋은_종이비행기" panose="02030504000101010101" pitchFamily="18" charset="-127"/>
+                <a:ea typeface="좋은_종이비행기" panose="02030504000101010101" pitchFamily="18" charset="-127"/>
+              </a:rPr>
               <a:t>What?</a:t>
             </a:r>
-            <a:endParaRPr lang="en-US" b="1" dirty="0"/>
+            <a:endParaRPr lang="en-US" sz="7200" b="1" dirty="0">
+              <a:ln w="38100">
+                <a:solidFill>
+                  <a:schemeClr val="tx1"/>
+                </a:solidFill>
+              </a:ln>
+              <a:solidFill>
+                <a:srgbClr val="71D3F2"/>
+              </a:solidFill>
+              <a:latin typeface="좋은_종이비행기" panose="02030504000101010101" pitchFamily="18" charset="-127"/>
+              <a:ea typeface="좋은_종이비행기" panose="02030504000101010101" pitchFamily="18" charset="-127"/>
+            </a:endParaRPr>
           </a:p>
         </p:txBody>
       </p:sp>
@@ -3272,7 +3215,7 @@
         </p:blipFill>
         <p:spPr>
           <a:xfrm>
-            <a:off x="446672" y="3103490"/>
+            <a:off x="1056272" y="3141590"/>
             <a:ext cx="2901114" cy="3232670"/>
           </a:xfrm>
         </p:spPr>
@@ -3285,7 +3228,7 @@
         </p:nvSpPr>
         <p:spPr>
           <a:xfrm>
-            <a:off x="446672" y="1164498"/>
+            <a:off x="264694" y="1361018"/>
             <a:ext cx="8250655" cy="1938992"/>
           </a:xfrm>
           <a:prstGeom prst="rect">
@@ -3301,10 +3244,14 @@
           <a:p>
             <a:pPr algn="ctr"/>
             <a:r>
-              <a:rPr lang="en-US" sz="4000" b="1" dirty="0" smtClean="0"/>
+              <a:rPr lang="en-US" sz="4000" dirty="0" smtClean="0">
+                <a:ea typeface="좋은_종이비행기" panose="02030504000101010101" pitchFamily="18" charset="-127"/>
+              </a:rPr>
               <a:t>A web platform that matches people for mutual enlightenment and knowledge sharing. </a:t>
             </a:r>
-            <a:endParaRPr lang="en-US" sz="4000" b="1" dirty="0"/>
+            <a:endParaRPr lang="en-US" sz="4000" dirty="0">
+              <a:ea typeface="좋은_종이비행기" panose="02030504000101010101" pitchFamily="18" charset="-127"/>
+            </a:endParaRPr>
           </a:p>
         </p:txBody>
       </p:sp>
@@ -3339,7 +3286,7 @@
         </p:nvSpPr>
         <p:spPr>
           <a:xfrm>
-            <a:off x="5759115" y="4884349"/>
+            <a:off x="5577138" y="5074849"/>
             <a:ext cx="2938211" cy="1596662"/>
           </a:xfrm>
           <a:prstGeom prst="wedgeEllipseCallout">
@@ -3446,40 +3393,11 @@
           <a:chExt cx="0" cy="0"/>
         </a:xfrm>
       </p:grpSpPr>
-      <p:sp>
-        <p:nvSpPr>
-          <p:cNvPr id="2" name="Title 1"/>
-          <p:cNvSpPr>
-            <a:spLocks noGrp="1"/>
-          </p:cNvSpPr>
-          <p:nvPr>
-            <p:ph type="title"/>
-          </p:nvPr>
-        </p:nvSpPr>
-        <p:spPr>
-          <a:xfrm>
-            <a:off x="628650" y="0"/>
-            <a:ext cx="7886700" cy="1075433"/>
-          </a:xfrm>
-        </p:spPr>
-        <p:txBody>
-          <a:bodyPr/>
-          <a:lstStyle/>
-          <a:p>
-            <a:pPr algn="ctr"/>
-            <a:r>
-              <a:rPr lang="en-US" b="1" dirty="0" smtClean="0"/>
-              <a:t>How?</a:t>
-            </a:r>
-            <a:endParaRPr lang="en-US" b="1" dirty="0"/>
-          </a:p>
-        </p:txBody>
-      </p:sp>
       <p:pic>
         <p:nvPicPr>
-          <p:cNvPr id="2050" name="Picture 2" descr="https://encrypted-tbn0.gstatic.com/images?q=tbn:ANd9GcSrpE7Ovtv1yqYI196HEJVubyBwiIfTVTFNEZexSqvH5I405n256A"/>
+          <p:cNvPr id="22" name="내용 개체 틀 21"/>
           <p:cNvPicPr>
-            <a:picLocks noGrp="1" noChangeAspect="1" noChangeArrowheads="1"/>
+            <a:picLocks noGrp="1" noChangeAspect="1"/>
           </p:cNvPicPr>
           <p:nvPr>
             <p:ph idx="1"/>
@@ -3493,29 +3411,15 @@
               </a:ext>
             </a:extLst>
           </a:blip>
-          <a:srcRect/>
           <a:stretch>
             <a:fillRect/>
           </a:stretch>
         </p:blipFill>
-        <p:spPr bwMode="auto">
-          <a:xfrm>
-            <a:off x="190659" y="1999506"/>
-            <a:ext cx="1004193" cy="1547900"/>
-          </a:xfrm>
-          <a:prstGeom prst="rect">
-            <a:avLst/>
-          </a:prstGeom>
-          <a:noFill/>
-          <a:extLst>
-            <a:ext uri="{909E8E84-426E-40DD-AFC4-6F175D3DCCD1}">
-              <a14:hiddenFill xmlns:a14="http://schemas.microsoft.com/office/drawing/2010/main">
-                <a:solidFill>
-                  <a:srgbClr val="FFFFFF"/>
-                </a:solidFill>
-              </a14:hiddenFill>
-            </a:ext>
-          </a:extLst>
+        <p:spPr>
+          <a:xfrm>
+            <a:off x="548217" y="1932915"/>
+            <a:ext cx="951213" cy="1467586"/>
+          </a:xfrm>
         </p:spPr>
       </p:pic>
       <p:sp>
@@ -3526,12 +3430,40 @@
         </p:nvSpPr>
         <p:spPr>
           <a:xfrm>
-            <a:off x="1334125" y="1975312"/>
-            <a:ext cx="1921551" cy="1178428"/>
+            <a:off x="2294862" y="2503680"/>
+            <a:ext cx="903407" cy="574237"/>
           </a:xfrm>
           <a:prstGeom prst="rightArrow">
             <a:avLst/>
           </a:prstGeom>
+          <a:gradFill flip="none" rotWithShape="1">
+            <a:gsLst>
+              <a:gs pos="0">
+                <a:schemeClr val="accent2">
+                  <a:lumMod val="67000"/>
+                </a:schemeClr>
+              </a:gs>
+              <a:gs pos="48000">
+                <a:schemeClr val="accent2">
+                  <a:lumMod val="97000"/>
+                  <a:lumOff val="3000"/>
+                </a:schemeClr>
+              </a:gs>
+              <a:gs pos="100000">
+                <a:schemeClr val="accent2">
+                  <a:lumMod val="60000"/>
+                  <a:lumOff val="40000"/>
+                </a:schemeClr>
+              </a:gs>
+            </a:gsLst>
+            <a:lin ang="16200000" scaled="1"/>
+            <a:tileRect/>
+          </a:gradFill>
+          <a:ln w="25400">
+            <a:solidFill>
+              <a:schemeClr val="tx1"/>
+            </a:solidFill>
+          </a:ln>
         </p:spPr>
         <p:style>
           <a:lnRef idx="1">
@@ -3579,7 +3511,7 @@
         </p:blipFill>
         <p:spPr bwMode="auto">
           <a:xfrm>
-            <a:off x="464117" y="1518033"/>
+            <a:off x="824780" y="1399709"/>
             <a:ext cx="457278" cy="457278"/>
           </a:xfrm>
           <a:prstGeom prst="rect">
@@ -3618,8 +3550,8 @@
         </p:blipFill>
         <p:spPr bwMode="auto">
           <a:xfrm>
-            <a:off x="122028" y="3547406"/>
-            <a:ext cx="1323474" cy="389257"/>
+            <a:off x="343796" y="3400501"/>
+            <a:ext cx="1627104" cy="478560"/>
           </a:xfrm>
           <a:prstGeom prst="rect">
             <a:avLst/>
@@ -3659,7 +3591,7 @@
         </p:blipFill>
         <p:spPr bwMode="auto">
           <a:xfrm>
-            <a:off x="6809860" y="1258546"/>
+            <a:off x="6671418" y="1399709"/>
             <a:ext cx="2793914" cy="3244154"/>
           </a:xfrm>
           <a:prstGeom prst="ellipse">
@@ -3682,82 +3614,188 @@
           </a:extLst>
         </p:spPr>
       </p:pic>
-      <p:pic>
-        <p:nvPicPr>
-          <p:cNvPr id="8" name="Picture 7"/>
-          <p:cNvPicPr>
-            <a:picLocks noChangeAspect="1"/>
-          </p:cNvPicPr>
+      <p:sp>
+        <p:nvSpPr>
+          <p:cNvPr id="14" name="Title 1"/>
+          <p:cNvSpPr txBox="1">
+            <a:spLocks/>
+          </p:cNvSpPr>
           <p:nvPr/>
-        </p:nvPicPr>
-        <p:blipFill rotWithShape="1">
-          <a:blip r:embed="rId6">
-            <a:clrChange>
-              <a:clrFrom>
-                <a:srgbClr val="FFFFFF"/>
-              </a:clrFrom>
-              <a:clrTo>
-                <a:srgbClr val="FFFFFF">
-                  <a:alpha val="0"/>
-                </a:srgbClr>
-              </a:clrTo>
-            </a:clrChange>
-            <a:extLst>
-              <a:ext uri="{28A0092B-C50C-407E-A947-70E740481C1C}">
-                <a14:useLocalDpi xmlns:a14="http://schemas.microsoft.com/office/drawing/2010/main" val="0"/>
-              </a:ext>
-            </a:extLst>
-          </a:blip>
-          <a:srcRect l="7719" t="43976" r="42633" b="5965"/>
-          <a:stretch/>
-        </p:blipFill>
+        </p:nvSpPr>
         <p:spPr>
           <a:xfrm>
-            <a:off x="-4231" y="4154905"/>
-            <a:ext cx="3617398" cy="2735418"/>
+            <a:off x="628649" y="46441"/>
+            <a:ext cx="7886700" cy="959451"/>
           </a:xfrm>
           <a:prstGeom prst="rect">
             <a:avLst/>
           </a:prstGeom>
         </p:spPr>
-      </p:pic>
-      <p:pic>
-        <p:nvPicPr>
-          <p:cNvPr id="10" name="Picture 9"/>
-          <p:cNvPicPr>
-            <a:picLocks noChangeAspect="1"/>
-          </p:cNvPicPr>
+        <p:txBody>
+          <a:bodyPr vert="horz" lIns="91440" tIns="45720" rIns="91440" bIns="45720" rtlCol="0" anchor="ctr">
+            <a:noAutofit/>
+          </a:bodyPr>
+          <a:lstStyle>
+            <a:lvl1pPr algn="l" defTabSz="914400" rtl="0" eaLnBrk="1" latinLnBrk="0" hangingPunct="1">
+              <a:lnSpc>
+                <a:spcPct val="90000"/>
+              </a:lnSpc>
+              <a:spcBef>
+                <a:spcPct val="0"/>
+              </a:spcBef>
+              <a:buNone/>
+              <a:defRPr sz="4400" kern="1200">
+                <a:solidFill>
+                  <a:schemeClr val="tx1"/>
+                </a:solidFill>
+                <a:latin typeface="+mj-lt"/>
+                <a:ea typeface="+mj-ea"/>
+                <a:cs typeface="+mj-cs"/>
+              </a:defRPr>
+            </a:lvl1pPr>
+          </a:lstStyle>
+          <a:p>
+            <a:pPr algn="ctr"/>
+            <a:endParaRPr lang="en-US" sz="8800" b="1" dirty="0">
+              <a:ln w="38100">
+                <a:solidFill>
+                  <a:schemeClr val="tx1"/>
+                </a:solidFill>
+              </a:ln>
+              <a:solidFill>
+                <a:srgbClr val="71D3F2"/>
+              </a:solidFill>
+              <a:latin typeface="좋은_종이비행기" panose="02030504000101010101" pitchFamily="18" charset="-127"/>
+              <a:ea typeface="좋은_종이비행기" panose="02030504000101010101" pitchFamily="18" charset="-127"/>
+            </a:endParaRPr>
+          </a:p>
+        </p:txBody>
+      </p:sp>
+      <p:sp>
+        <p:nvSpPr>
+          <p:cNvPr id="16" name="Title 1"/>
+          <p:cNvSpPr>
+            <a:spLocks noGrp="1"/>
+          </p:cNvSpPr>
+          <p:nvPr>
+            <p:ph type="title"/>
+          </p:nvPr>
+        </p:nvSpPr>
+        <p:spPr>
+          <a:xfrm>
+            <a:off x="781049" y="198841"/>
+            <a:ext cx="7886700" cy="959451"/>
+          </a:xfrm>
+        </p:spPr>
+        <p:txBody>
+          <a:bodyPr>
+            <a:noAutofit/>
+          </a:bodyPr>
+          <a:lstStyle/>
+          <a:p>
+            <a:pPr algn="ctr"/>
+            <a:r>
+              <a:rPr lang="en-US" sz="7200" b="1" dirty="0" smtClean="0">
+                <a:ln w="38100">
+                  <a:solidFill>
+                    <a:schemeClr val="tx1"/>
+                  </a:solidFill>
+                </a:ln>
+                <a:solidFill>
+                  <a:srgbClr val="FF7529"/>
+                </a:solidFill>
+                <a:latin typeface="좋은_종이비행기" panose="02030504000101010101" pitchFamily="18" charset="-127"/>
+                <a:ea typeface="좋은_종이비행기" panose="02030504000101010101" pitchFamily="18" charset="-127"/>
+              </a:rPr>
+              <a:t>How?</a:t>
+            </a:r>
+            <a:endParaRPr lang="en-US" sz="7200" b="1" dirty="0">
+              <a:ln w="38100">
+                <a:solidFill>
+                  <a:schemeClr val="tx1"/>
+                </a:solidFill>
+              </a:ln>
+              <a:solidFill>
+                <a:srgbClr val="FF7529"/>
+              </a:solidFill>
+              <a:latin typeface="좋은_종이비행기" panose="02030504000101010101" pitchFamily="18" charset="-127"/>
+              <a:ea typeface="좋은_종이비행기" panose="02030504000101010101" pitchFamily="18" charset="-127"/>
+            </a:endParaRPr>
+          </a:p>
+        </p:txBody>
+      </p:sp>
+      <p:sp>
+        <p:nvSpPr>
+          <p:cNvPr id="9" name="TextBox 8"/>
+          <p:cNvSpPr txBox="1"/>
           <p:nvPr/>
-        </p:nvPicPr>
-        <p:blipFill rotWithShape="1">
-          <a:blip r:embed="rId7"/>
-          <a:srcRect l="40260" t="36020" r="49013" b="34375"/>
-          <a:stretch/>
-        </p:blipFill>
+        </p:nvSpPr>
         <p:spPr>
           <a:xfrm>
-            <a:off x="3255676" y="937727"/>
-            <a:ext cx="2342087" cy="3634273"/>
+            <a:off x="669240" y="2858826"/>
+            <a:ext cx="623889" cy="369332"/>
           </a:xfrm>
           <a:prstGeom prst="rect">
             <a:avLst/>
           </a:prstGeom>
-        </p:spPr>
-      </p:pic>
-      <p:sp>
-        <p:nvSpPr>
-          <p:cNvPr id="33" name="Right Arrow 32"/>
+          <a:noFill/>
+        </p:spPr>
+        <p:txBody>
+          <a:bodyPr wrap="none" rtlCol="0">
+            <a:spAutoFit/>
+          </a:bodyPr>
+          <a:lstStyle/>
+          <a:p>
+            <a:r>
+              <a:rPr lang="en-US" altLang="ko-KR" b="1" dirty="0" smtClean="0"/>
+              <a:t>User</a:t>
+            </a:r>
+            <a:endParaRPr lang="ko-KR" altLang="en-US" b="1" dirty="0"/>
+          </a:p>
+        </p:txBody>
+      </p:sp>
+      <p:sp>
+        <p:nvSpPr>
+          <p:cNvPr id="19" name="Right Arrow 3"/>
           <p:cNvSpPr/>
           <p:nvPr/>
         </p:nvSpPr>
         <p:spPr>
-          <a:xfrm rot="19950979">
-            <a:off x="3644690" y="4886816"/>
-            <a:ext cx="1921551" cy="1178428"/>
+          <a:xfrm>
+            <a:off x="5747497" y="2593503"/>
+            <a:ext cx="780304" cy="574237"/>
           </a:xfrm>
           <a:prstGeom prst="rightArrow">
             <a:avLst/>
           </a:prstGeom>
+          <a:gradFill flip="none" rotWithShape="1">
+            <a:gsLst>
+              <a:gs pos="0">
+                <a:schemeClr val="accent2">
+                  <a:lumMod val="67000"/>
+                </a:schemeClr>
+              </a:gs>
+              <a:gs pos="48000">
+                <a:schemeClr val="accent2">
+                  <a:lumMod val="97000"/>
+                  <a:lumOff val="3000"/>
+                </a:schemeClr>
+              </a:gs>
+              <a:gs pos="100000">
+                <a:schemeClr val="accent2">
+                  <a:lumMod val="60000"/>
+                  <a:lumOff val="40000"/>
+                </a:schemeClr>
+              </a:gs>
+            </a:gsLst>
+            <a:lin ang="16200000" scaled="1"/>
+            <a:tileRect/>
+          </a:gradFill>
+          <a:ln w="25400">
+            <a:solidFill>
+              <a:schemeClr val="tx1"/>
+            </a:solidFill>
+          </a:ln>
         </p:spPr>
         <p:style>
           <a:lnRef idx="1">
@@ -3784,18 +3822,46 @@
       </p:sp>
       <p:sp>
         <p:nvSpPr>
-          <p:cNvPr id="34" name="Right Arrow 33"/>
+          <p:cNvPr id="20" name="Right Arrow 3"/>
           <p:cNvSpPr/>
           <p:nvPr/>
         </p:nvSpPr>
         <p:spPr>
-          <a:xfrm>
-            <a:off x="5445363" y="2184242"/>
-            <a:ext cx="1921551" cy="1178428"/>
+          <a:xfrm rot="19295440">
+            <a:off x="2948676" y="4334149"/>
+            <a:ext cx="846961" cy="1011520"/>
           </a:xfrm>
           <a:prstGeom prst="rightArrow">
             <a:avLst/>
           </a:prstGeom>
+          <a:gradFill flip="none" rotWithShape="1">
+            <a:gsLst>
+              <a:gs pos="0">
+                <a:schemeClr val="accent2">
+                  <a:lumMod val="67000"/>
+                </a:schemeClr>
+              </a:gs>
+              <a:gs pos="48000">
+                <a:schemeClr val="accent2">
+                  <a:lumMod val="97000"/>
+                  <a:lumOff val="3000"/>
+                </a:schemeClr>
+              </a:gs>
+              <a:gs pos="100000">
+                <a:schemeClr val="accent2">
+                  <a:lumMod val="60000"/>
+                  <a:lumOff val="40000"/>
+                </a:schemeClr>
+              </a:gs>
+            </a:gsLst>
+            <a:lin ang="16200000" scaled="1"/>
+            <a:tileRect/>
+          </a:gradFill>
+          <a:ln w="25400">
+            <a:solidFill>
+              <a:schemeClr val="tx1"/>
+            </a:solidFill>
+          </a:ln>
         </p:spPr>
         <p:style>
           <a:lnRef idx="1">
@@ -3820,6 +3886,231 @@
           </a:p>
         </p:txBody>
       </p:sp>
+      <p:pic>
+        <p:nvPicPr>
+          <p:cNvPr id="11" name="그림 10"/>
+          <p:cNvPicPr>
+            <a:picLocks noChangeAspect="1"/>
+          </p:cNvPicPr>
+          <p:nvPr/>
+        </p:nvPicPr>
+        <p:blipFill>
+          <a:blip r:embed="rId6">
+            <a:extLst>
+              <a:ext uri="{28A0092B-C50C-407E-A947-70E740481C1C}">
+                <a14:useLocalDpi xmlns:a14="http://schemas.microsoft.com/office/drawing/2010/main" val="0"/>
+              </a:ext>
+            </a:extLst>
+          </a:blip>
+          <a:stretch>
+            <a:fillRect/>
+          </a:stretch>
+        </p:blipFill>
+        <p:spPr>
+          <a:xfrm>
+            <a:off x="3302059" y="1468430"/>
+            <a:ext cx="2192264" cy="2780792"/>
+          </a:xfrm>
+          <a:prstGeom prst="rect">
+            <a:avLst/>
+          </a:prstGeom>
+        </p:spPr>
+      </p:pic>
+      <p:grpSp>
+        <p:nvGrpSpPr>
+          <p:cNvPr id="24" name="그룹 23"/>
+          <p:cNvGrpSpPr/>
+          <p:nvPr/>
+        </p:nvGrpSpPr>
+        <p:grpSpPr>
+          <a:xfrm>
+            <a:off x="193387" y="4418618"/>
+            <a:ext cx="2708827" cy="2340448"/>
+            <a:chOff x="-153280" y="4697701"/>
+            <a:chExt cx="2708827" cy="2340448"/>
+          </a:xfrm>
+        </p:grpSpPr>
+        <p:pic>
+          <p:nvPicPr>
+            <p:cNvPr id="18" name="그림 17"/>
+            <p:cNvPicPr>
+              <a:picLocks noChangeAspect="1"/>
+            </p:cNvPicPr>
+            <p:nvPr/>
+          </p:nvPicPr>
+          <p:blipFill>
+            <a:blip r:embed="rId7">
+              <a:extLst>
+                <a:ext uri="{28A0092B-C50C-407E-A947-70E740481C1C}">
+                  <a14:useLocalDpi xmlns:a14="http://schemas.microsoft.com/office/drawing/2010/main" val="0"/>
+                </a:ext>
+              </a:extLst>
+            </a:blip>
+            <a:stretch>
+              <a:fillRect/>
+            </a:stretch>
+          </p:blipFill>
+          <p:spPr>
+            <a:xfrm>
+              <a:off x="1546958" y="4697701"/>
+              <a:ext cx="1008589" cy="1556109"/>
+            </a:xfrm>
+            <a:prstGeom prst="rect">
+              <a:avLst/>
+            </a:prstGeom>
+          </p:spPr>
+        </p:pic>
+        <p:pic>
+          <p:nvPicPr>
+            <p:cNvPr id="23" name="그림 22"/>
+            <p:cNvPicPr>
+              <a:picLocks noChangeAspect="1"/>
+            </p:cNvPicPr>
+            <p:nvPr/>
+          </p:nvPicPr>
+          <p:blipFill>
+            <a:blip r:embed="rId2">
+              <a:extLst>
+                <a:ext uri="{28A0092B-C50C-407E-A947-70E740481C1C}">
+                  <a14:useLocalDpi xmlns:a14="http://schemas.microsoft.com/office/drawing/2010/main" val="0"/>
+                </a:ext>
+              </a:extLst>
+            </a:blip>
+            <a:stretch>
+              <a:fillRect/>
+            </a:stretch>
+          </p:blipFill>
+          <p:spPr>
+            <a:xfrm>
+              <a:off x="385367" y="4706961"/>
+              <a:ext cx="1062707" cy="1639606"/>
+            </a:xfrm>
+            <a:prstGeom prst="rect">
+              <a:avLst/>
+            </a:prstGeom>
+          </p:spPr>
+        </p:pic>
+        <p:pic>
+          <p:nvPicPr>
+            <p:cNvPr id="32" name="그림 31"/>
+            <p:cNvPicPr>
+              <a:picLocks noChangeAspect="1"/>
+            </p:cNvPicPr>
+            <p:nvPr/>
+          </p:nvPicPr>
+          <p:blipFill>
+            <a:blip r:embed="rId2">
+              <a:extLst>
+                <a:ext uri="{28A0092B-C50C-407E-A947-70E740481C1C}">
+                  <a14:useLocalDpi xmlns:a14="http://schemas.microsoft.com/office/drawing/2010/main" val="0"/>
+                </a:ext>
+              </a:extLst>
+            </a:blip>
+            <a:stretch>
+              <a:fillRect/>
+            </a:stretch>
+          </p:blipFill>
+          <p:spPr>
+            <a:xfrm>
+              <a:off x="853200" y="4958597"/>
+              <a:ext cx="1062707" cy="1639606"/>
+            </a:xfrm>
+            <a:prstGeom prst="rect">
+              <a:avLst/>
+            </a:prstGeom>
+          </p:spPr>
+        </p:pic>
+        <p:pic>
+          <p:nvPicPr>
+            <p:cNvPr id="36" name="그림 35"/>
+            <p:cNvPicPr>
+              <a:picLocks noChangeAspect="1"/>
+            </p:cNvPicPr>
+            <p:nvPr/>
+          </p:nvPicPr>
+          <p:blipFill>
+            <a:blip r:embed="rId7">
+              <a:extLst>
+                <a:ext uri="{28A0092B-C50C-407E-A947-70E740481C1C}">
+                  <a14:useLocalDpi xmlns:a14="http://schemas.microsoft.com/office/drawing/2010/main" val="0"/>
+                </a:ext>
+              </a:extLst>
+            </a:blip>
+            <a:stretch>
+              <a:fillRect/>
+            </a:stretch>
+          </p:blipFill>
+          <p:spPr>
+            <a:xfrm>
+              <a:off x="-153280" y="5158410"/>
+              <a:ext cx="1008589" cy="1556109"/>
+            </a:xfrm>
+            <a:prstGeom prst="rect">
+              <a:avLst/>
+            </a:prstGeom>
+          </p:spPr>
+        </p:pic>
+        <p:pic>
+          <p:nvPicPr>
+            <p:cNvPr id="37" name="그림 36"/>
+            <p:cNvPicPr>
+              <a:picLocks noChangeAspect="1"/>
+            </p:cNvPicPr>
+            <p:nvPr/>
+          </p:nvPicPr>
+          <p:blipFill>
+            <a:blip r:embed="rId7">
+              <a:extLst>
+                <a:ext uri="{28A0092B-C50C-407E-A947-70E740481C1C}">
+                  <a14:useLocalDpi xmlns:a14="http://schemas.microsoft.com/office/drawing/2010/main" val="0"/>
+                </a:ext>
+              </a:extLst>
+            </a:blip>
+            <a:stretch>
+              <a:fillRect/>
+            </a:stretch>
+          </p:blipFill>
+          <p:spPr>
+            <a:xfrm>
+              <a:off x="1330385" y="5386486"/>
+              <a:ext cx="1008589" cy="1556109"/>
+            </a:xfrm>
+            <a:prstGeom prst="rect">
+              <a:avLst/>
+            </a:prstGeom>
+          </p:spPr>
+        </p:pic>
+        <p:pic>
+          <p:nvPicPr>
+            <p:cNvPr id="31" name="그림 30"/>
+            <p:cNvPicPr>
+              <a:picLocks noChangeAspect="1"/>
+            </p:cNvPicPr>
+            <p:nvPr/>
+          </p:nvPicPr>
+          <p:blipFill>
+            <a:blip r:embed="rId2">
+              <a:extLst>
+                <a:ext uri="{28A0092B-C50C-407E-A947-70E740481C1C}">
+                  <a14:useLocalDpi xmlns:a14="http://schemas.microsoft.com/office/drawing/2010/main" val="0"/>
+                </a:ext>
+              </a:extLst>
+            </a:blip>
+            <a:stretch>
+              <a:fillRect/>
+            </a:stretch>
+          </p:blipFill>
+          <p:spPr>
+            <a:xfrm>
+              <a:off x="389670" y="5398543"/>
+              <a:ext cx="1062707" cy="1639606"/>
+            </a:xfrm>
+            <a:prstGeom prst="rect">
+              <a:avLst/>
+            </a:prstGeom>
+          </p:spPr>
+        </p:pic>
+      </p:grpSp>
     </p:spTree>
     <p:extLst>
       <p:ext uri="{BB962C8B-B14F-4D97-AF65-F5344CB8AC3E}">
@@ -3859,7 +4150,7 @@
       </p:grpSpPr>
       <p:sp>
         <p:nvSpPr>
-          <p:cNvPr id="2" name="Title 1"/>
+          <p:cNvPr id="10" name="Title 1"/>
           <p:cNvSpPr>
             <a:spLocks noGrp="1"/>
           </p:cNvSpPr>
@@ -3869,174 +4160,69 @@
         </p:nvSpPr>
         <p:spPr>
           <a:xfrm>
-            <a:off x="628650" y="0"/>
-            <a:ext cx="7886700" cy="1325563"/>
-          </a:xfrm>
-        </p:spPr>
-        <p:txBody>
-          <a:bodyPr/>
+            <a:off x="1484435" y="234010"/>
+            <a:ext cx="6516565" cy="1243097"/>
+          </a:xfrm>
+        </p:spPr>
+        <p:txBody>
+          <a:bodyPr>
+            <a:noAutofit/>
+          </a:bodyPr>
           <a:lstStyle/>
           <a:p>
             <a:pPr algn="ctr"/>
             <a:r>
-              <a:rPr lang="en-US" b="1" dirty="0" smtClean="0"/>
-              <a:t>Use cases</a:t>
-            </a:r>
-            <a:endParaRPr lang="en-US" b="1" dirty="0"/>
+              <a:rPr lang="en-US" sz="6000" b="1" dirty="0" smtClean="0">
+                <a:ln w="38100">
+                  <a:solidFill>
+                    <a:schemeClr val="tx1"/>
+                  </a:solidFill>
+                </a:ln>
+                <a:solidFill>
+                  <a:srgbClr val="71D3F2"/>
+                </a:solidFill>
+                <a:latin typeface="좋은_종이비행기" panose="02030504000101010101" pitchFamily="18" charset="-127"/>
+                <a:ea typeface="좋은_종이비행기" panose="02030504000101010101" pitchFamily="18" charset="-127"/>
+              </a:rPr>
+              <a:t>Use </a:t>
+            </a:r>
+            <a:r>
+              <a:rPr lang="en-US" sz="6000" b="1" dirty="0" smtClean="0">
+                <a:ln w="38100">
+                  <a:solidFill>
+                    <a:schemeClr val="tx1"/>
+                  </a:solidFill>
+                </a:ln>
+                <a:solidFill>
+                  <a:srgbClr val="71D3F2"/>
+                </a:solidFill>
+                <a:latin typeface="좋은_종이비행기" panose="02030504000101010101" pitchFamily="18" charset="-127"/>
+                <a:ea typeface="좋은_종이비행기" panose="02030504000101010101" pitchFamily="18" charset="-127"/>
+              </a:rPr>
+              <a:t>Cases</a:t>
+            </a:r>
+            <a:endParaRPr lang="en-US" sz="6000" b="1" dirty="0">
+              <a:ln w="38100">
+                <a:solidFill>
+                  <a:schemeClr val="tx1"/>
+                </a:solidFill>
+              </a:ln>
+              <a:solidFill>
+                <a:srgbClr val="71D3F2"/>
+              </a:solidFill>
+              <a:latin typeface="좋은_종이비행기" panose="02030504000101010101" pitchFamily="18" charset="-127"/>
+              <a:ea typeface="좋은_종이비행기" panose="02030504000101010101" pitchFamily="18" charset="-127"/>
+            </a:endParaRPr>
           </a:p>
         </p:txBody>
       </p:sp>
       <p:pic>
         <p:nvPicPr>
-          <p:cNvPr id="5" name="Content Placeholder 4"/>
+          <p:cNvPr id="1026" name="Picture 2" descr="http://www.mylifeatail.com/wp-content/uploads/2011/11/Handshake-Mentor_Big.png"/>
           <p:cNvPicPr>
-            <a:picLocks noGrp="1" noChangeAspect="1"/>
-          </p:cNvPicPr>
-          <p:nvPr>
-            <p:ph sz="half" idx="1"/>
-          </p:nvPr>
-        </p:nvPicPr>
-        <p:blipFill>
-          <a:blip r:embed="rId2" cstate="print">
-            <a:extLst>
-              <a:ext uri="{28A0092B-C50C-407E-A947-70E740481C1C}">
-                <a14:useLocalDpi xmlns:a14="http://schemas.microsoft.com/office/drawing/2010/main" val="0"/>
-              </a:ext>
-            </a:extLst>
-          </a:blip>
-          <a:stretch>
-            <a:fillRect/>
-          </a:stretch>
-        </p:blipFill>
-        <p:spPr>
-          <a:xfrm>
-            <a:off x="610128" y="1888760"/>
-            <a:ext cx="1280017" cy="2818732"/>
-          </a:xfrm>
-        </p:spPr>
-      </p:pic>
-      <p:pic>
-        <p:nvPicPr>
-          <p:cNvPr id="6" name="Content Placeholder 4"/>
-          <p:cNvPicPr>
-            <a:picLocks noChangeAspect="1"/>
+            <a:picLocks noChangeAspect="1" noChangeArrowheads="1"/>
           </p:cNvPicPr>
           <p:nvPr/>
-        </p:nvPicPr>
-        <p:blipFill>
-          <a:blip r:embed="rId2" cstate="print">
-            <a:extLst>
-              <a:ext uri="{28A0092B-C50C-407E-A947-70E740481C1C}">
-                <a14:useLocalDpi xmlns:a14="http://schemas.microsoft.com/office/drawing/2010/main" val="0"/>
-              </a:ext>
-            </a:extLst>
-          </a:blip>
-          <a:stretch>
-            <a:fillRect/>
-          </a:stretch>
-        </p:blipFill>
-        <p:spPr>
-          <a:xfrm>
-            <a:off x="2392053" y="2942401"/>
-            <a:ext cx="1650512" cy="3530183"/>
-          </a:xfrm>
-          <a:prstGeom prst="rect">
-            <a:avLst/>
-          </a:prstGeom>
-        </p:spPr>
-      </p:pic>
-      <p:sp>
-        <p:nvSpPr>
-          <p:cNvPr id="7" name="Oval Callout 6"/>
-          <p:cNvSpPr/>
-          <p:nvPr/>
-        </p:nvSpPr>
-        <p:spPr>
-          <a:xfrm>
-            <a:off x="365749" y="1475922"/>
-            <a:ext cx="2383437" cy="1012169"/>
-          </a:xfrm>
-          <a:prstGeom prst="wedgeEllipseCallout">
-            <a:avLst/>
-          </a:prstGeom>
-        </p:spPr>
-        <p:style>
-          <a:lnRef idx="2">
-            <a:schemeClr val="accent3"/>
-          </a:lnRef>
-          <a:fillRef idx="1">
-            <a:schemeClr val="lt1"/>
-          </a:fillRef>
-          <a:effectRef idx="0">
-            <a:schemeClr val="accent3"/>
-          </a:effectRef>
-          <a:fontRef idx="minor">
-            <a:schemeClr val="dk1"/>
-          </a:fontRef>
-        </p:style>
-        <p:txBody>
-          <a:bodyPr rtlCol="0" anchor="ctr"/>
-          <a:lstStyle/>
-          <a:p>
-            <a:pPr algn="ctr"/>
-            <a:r>
-              <a:rPr lang="en-US" sz="2400" b="1" dirty="0" smtClean="0"/>
-              <a:t>Cantonese….</a:t>
-            </a:r>
-            <a:endParaRPr lang="en-US" sz="2400" b="1" dirty="0"/>
-          </a:p>
-        </p:txBody>
-      </p:sp>
-      <p:sp>
-        <p:nvSpPr>
-          <p:cNvPr id="8" name="Oval Callout 7"/>
-          <p:cNvSpPr/>
-          <p:nvPr/>
-        </p:nvSpPr>
-        <p:spPr>
-          <a:xfrm>
-            <a:off x="2392053" y="2792042"/>
-            <a:ext cx="1783829" cy="1012169"/>
-          </a:xfrm>
-          <a:prstGeom prst="wedgeEllipseCallout">
-            <a:avLst/>
-          </a:prstGeom>
-        </p:spPr>
-        <p:style>
-          <a:lnRef idx="2">
-            <a:schemeClr val="accent3"/>
-          </a:lnRef>
-          <a:fillRef idx="1">
-            <a:schemeClr val="lt1"/>
-          </a:fillRef>
-          <a:effectRef idx="0">
-            <a:schemeClr val="accent3"/>
-          </a:effectRef>
-          <a:fontRef idx="minor">
-            <a:schemeClr val="dk1"/>
-          </a:fontRef>
-        </p:style>
-        <p:txBody>
-          <a:bodyPr rtlCol="0" anchor="ctr"/>
-          <a:lstStyle/>
-          <a:p>
-            <a:pPr algn="ctr"/>
-            <a:r>
-              <a:rPr lang="en-US" sz="2400" b="1" dirty="0"/>
-              <a:t>English….</a:t>
-            </a:r>
-          </a:p>
-        </p:txBody>
-      </p:sp>
-      <p:pic>
-        <p:nvPicPr>
-          <p:cNvPr id="6146" name="Picture 2" descr="http://cfi-sinergia.epfl.ch/files/content/sites/cfi-sinergia/files/WORKSHOPS/Workshop1.jpg"/>
-          <p:cNvPicPr>
-            <a:picLocks noGrp="1" noChangeAspect="1" noChangeArrowheads="1"/>
-          </p:cNvPicPr>
-          <p:nvPr>
-            <p:ph sz="half" idx="2"/>
-          </p:nvPr>
         </p:nvPicPr>
         <p:blipFill>
           <a:blip r:embed="rId3">
@@ -4053,8 +4239,8 @@
         </p:blipFill>
         <p:spPr bwMode="auto">
           <a:xfrm>
-            <a:off x="5317798" y="2004358"/>
-            <a:ext cx="3392424" cy="2953512"/>
+            <a:off x="526479" y="2657534"/>
+            <a:ext cx="3325686" cy="3023989"/>
           </a:xfrm>
           <a:prstGeom prst="rect">
             <a:avLst/>
@@ -4071,6 +4257,149 @@
           </a:extLst>
         </p:spPr>
       </p:pic>
+      <p:sp>
+        <p:nvSpPr>
+          <p:cNvPr id="7" name="Oval Callout 6"/>
+          <p:cNvSpPr/>
+          <p:nvPr/>
+        </p:nvSpPr>
+        <p:spPr>
+          <a:xfrm>
+            <a:off x="163605" y="1813686"/>
+            <a:ext cx="2383437" cy="1012169"/>
+          </a:xfrm>
+          <a:prstGeom prst="wedgeEllipseCallout">
+            <a:avLst>
+              <a:gd name="adj1" fmla="val 6875"/>
+              <a:gd name="adj2" fmla="val 73793"/>
+            </a:avLst>
+          </a:prstGeom>
+        </p:spPr>
+        <p:style>
+          <a:lnRef idx="2">
+            <a:schemeClr val="accent3"/>
+          </a:lnRef>
+          <a:fillRef idx="1">
+            <a:schemeClr val="lt1"/>
+          </a:fillRef>
+          <a:effectRef idx="0">
+            <a:schemeClr val="accent3"/>
+          </a:effectRef>
+          <a:fontRef idx="minor">
+            <a:schemeClr val="dk1"/>
+          </a:fontRef>
+        </p:style>
+        <p:txBody>
+          <a:bodyPr rtlCol="0" anchor="ctr"/>
+          <a:lstStyle/>
+          <a:p>
+            <a:pPr algn="ctr"/>
+            <a:r>
+              <a:rPr lang="en-US" sz="2400" b="1" dirty="0" smtClean="0"/>
+              <a:t>Cantonese….</a:t>
+            </a:r>
+            <a:endParaRPr lang="en-US" sz="2400" b="1" dirty="0"/>
+          </a:p>
+        </p:txBody>
+      </p:sp>
+      <p:sp>
+        <p:nvSpPr>
+          <p:cNvPr id="8" name="Oval Callout 7"/>
+          <p:cNvSpPr/>
+          <p:nvPr/>
+        </p:nvSpPr>
+        <p:spPr>
+          <a:xfrm>
+            <a:off x="2791351" y="1982006"/>
+            <a:ext cx="1783829" cy="1012169"/>
+          </a:xfrm>
+          <a:prstGeom prst="wedgeEllipseCallout">
+            <a:avLst/>
+          </a:prstGeom>
+        </p:spPr>
+        <p:style>
+          <a:lnRef idx="2">
+            <a:schemeClr val="accent3"/>
+          </a:lnRef>
+          <a:fillRef idx="1">
+            <a:schemeClr val="lt1"/>
+          </a:fillRef>
+          <a:effectRef idx="0">
+            <a:schemeClr val="accent3"/>
+          </a:effectRef>
+          <a:fontRef idx="minor">
+            <a:schemeClr val="dk1"/>
+          </a:fontRef>
+        </p:style>
+        <p:txBody>
+          <a:bodyPr rtlCol="0" anchor="ctr"/>
+          <a:lstStyle/>
+          <a:p>
+            <a:pPr algn="ctr"/>
+            <a:r>
+              <a:rPr lang="en-US" sz="2400" b="1" dirty="0"/>
+              <a:t>English….</a:t>
+            </a:r>
+          </a:p>
+        </p:txBody>
+      </p:sp>
+      <p:graphicFrame>
+        <p:nvGraphicFramePr>
+          <p:cNvPr id="17" name="개체 16"/>
+          <p:cNvGraphicFramePr>
+            <a:graphicFrameLocks noChangeAspect="1"/>
+          </p:cNvGraphicFramePr>
+          <p:nvPr>
+            <p:extLst>
+              <p:ext uri="{D42A27DB-BD31-4B8C-83A1-F6EECF244321}">
+                <p14:modId xmlns:p14="http://schemas.microsoft.com/office/powerpoint/2010/main" val="2103592949"/>
+              </p:ext>
+            </p:extLst>
+          </p:nvPr>
+        </p:nvGraphicFramePr>
+        <p:xfrm>
+          <a:off x="5004140" y="2089488"/>
+          <a:ext cx="3714750" cy="3225693"/>
+        </p:xfrm>
+        <a:graphic>
+          <a:graphicData uri="http://schemas.openxmlformats.org/presentationml/2006/ole">
+            <mc:AlternateContent xmlns:mc="http://schemas.openxmlformats.org/markup-compatibility/2006">
+              <mc:Choice xmlns:v="urn:schemas-microsoft-com:vml" Requires="v">
+                <p:oleObj spid="_x0000_s1030" name="Image" r:id="rId4" imgW="4533120" imgH="3936240" progId="Photoshop.Image.13">
+                  <p:embed/>
+                </p:oleObj>
+              </mc:Choice>
+              <mc:Fallback>
+                <p:oleObj name="Image" r:id="rId4" imgW="4533120" imgH="3936240" progId="Photoshop.Image.13">
+                  <p:embed/>
+                  <p:pic>
+                    <p:nvPicPr>
+                      <p:cNvPr id="0" name=""/>
+                      <p:cNvPicPr/>
+                      <p:nvPr/>
+                    </p:nvPicPr>
+                    <p:blipFill>
+                      <a:blip r:embed="rId5"/>
+                      <a:stretch>
+                        <a:fillRect/>
+                      </a:stretch>
+                    </p:blipFill>
+                    <p:spPr>
+                      <a:xfrm>
+                        <a:off x="5004140" y="2089488"/>
+                        <a:ext cx="3714750" cy="3225693"/>
+                      </a:xfrm>
+                      <a:prstGeom prst="rect">
+                        <a:avLst/>
+                      </a:prstGeom>
+                    </p:spPr>
+                  </p:pic>
+                </p:oleObj>
+              </mc:Fallback>
+            </mc:AlternateContent>
+          </a:graphicData>
+        </a:graphic>
+      </p:graphicFrame>
     </p:spTree>
     <p:extLst>
       <p:ext uri="{BB962C8B-B14F-4D97-AF65-F5344CB8AC3E}">
@@ -4110,35 +4439,6 @@
       </p:grpSpPr>
       <p:sp>
         <p:nvSpPr>
-          <p:cNvPr id="2" name="Title 1"/>
-          <p:cNvSpPr>
-            <a:spLocks noGrp="1"/>
-          </p:cNvSpPr>
-          <p:nvPr>
-            <p:ph type="title"/>
-          </p:nvPr>
-        </p:nvSpPr>
-        <p:spPr>
-          <a:xfrm>
-            <a:off x="628650" y="0"/>
-            <a:ext cx="7886700" cy="1325563"/>
-          </a:xfrm>
-        </p:spPr>
-        <p:txBody>
-          <a:bodyPr/>
-          <a:lstStyle/>
-          <a:p>
-            <a:pPr algn="ctr"/>
-            <a:r>
-              <a:rPr lang="en-US" b="1" dirty="0" smtClean="0"/>
-              <a:t>Why?</a:t>
-            </a:r>
-            <a:endParaRPr lang="en-US" b="1" dirty="0"/>
-          </a:p>
-        </p:txBody>
-      </p:sp>
-      <p:sp>
-        <p:nvSpPr>
           <p:cNvPr id="3" name="Content Placeholder 2"/>
           <p:cNvSpPr>
             <a:spLocks noGrp="1"/>
@@ -4295,6 +4595,78 @@
           </a:extLst>
         </p:spPr>
       </p:pic>
+      <p:sp>
+        <p:nvSpPr>
+          <p:cNvPr id="9" name="Title 1"/>
+          <p:cNvSpPr txBox="1">
+            <a:spLocks/>
+          </p:cNvSpPr>
+          <p:nvPr/>
+        </p:nvSpPr>
+        <p:spPr>
+          <a:xfrm>
+            <a:off x="781049" y="198841"/>
+            <a:ext cx="7886700" cy="959451"/>
+          </a:xfrm>
+          <a:prstGeom prst="rect">
+            <a:avLst/>
+          </a:prstGeom>
+        </p:spPr>
+        <p:txBody>
+          <a:bodyPr vert="horz" lIns="91440" tIns="45720" rIns="91440" bIns="45720" rtlCol="0" anchor="ctr">
+            <a:noAutofit/>
+          </a:bodyPr>
+          <a:lstStyle>
+            <a:lvl1pPr algn="l" defTabSz="914400" rtl="0" eaLnBrk="1" latinLnBrk="0" hangingPunct="1">
+              <a:lnSpc>
+                <a:spcPct val="90000"/>
+              </a:lnSpc>
+              <a:spcBef>
+                <a:spcPct val="0"/>
+              </a:spcBef>
+              <a:buNone/>
+              <a:defRPr sz="4400" kern="1200">
+                <a:solidFill>
+                  <a:schemeClr val="tx1"/>
+                </a:solidFill>
+                <a:latin typeface="+mj-lt"/>
+                <a:ea typeface="+mj-ea"/>
+                <a:cs typeface="+mj-cs"/>
+              </a:defRPr>
+            </a:lvl1pPr>
+          </a:lstStyle>
+          <a:p>
+            <a:pPr algn="ctr"/>
+            <a:r>
+              <a:rPr lang="en-US" sz="7200" b="1" dirty="0" smtClean="0">
+                <a:ln w="38100">
+                  <a:solidFill>
+                    <a:schemeClr val="tx1"/>
+                  </a:solidFill>
+                </a:ln>
+                <a:solidFill>
+                  <a:srgbClr val="FF7529"/>
+                </a:solidFill>
+                <a:latin typeface="좋은_종이비행기" panose="02030504000101010101" pitchFamily="18" charset="-127"/>
+                <a:ea typeface="좋은_종이비행기" panose="02030504000101010101" pitchFamily="18" charset="-127"/>
+              </a:rPr>
+              <a:t>Why?</a:t>
+            </a:r>
+            <a:endParaRPr lang="en-US" sz="7200" b="1" dirty="0">
+              <a:ln w="38100">
+                <a:solidFill>
+                  <a:schemeClr val="tx1"/>
+                </a:solidFill>
+              </a:ln>
+              <a:solidFill>
+                <a:srgbClr val="FF7529"/>
+              </a:solidFill>
+              <a:latin typeface="좋은_종이비행기" panose="02030504000101010101" pitchFamily="18" charset="-127"/>
+              <a:ea typeface="좋은_종이비행기" panose="02030504000101010101" pitchFamily="18" charset="-127"/>
+            </a:endParaRPr>
+          </a:p>
+        </p:txBody>
+      </p:sp>
     </p:spTree>
     <p:extLst>
       <p:ext uri="{BB962C8B-B14F-4D97-AF65-F5344CB8AC3E}">
@@ -4358,7 +4730,7 @@
     </a:clrScheme>
     <a:fontScheme name="Office Theme">
       <a:majorFont>
-        <a:latin typeface="Calibri Light" panose="020F0302020204030204"/>
+        <a:latin typeface="Calibri Light"/>
         <a:ea typeface=""/>
         <a:cs typeface=""/>
         <a:font script="Jpan" typeface="ＭＳ Ｐゴシック"/>
@@ -4393,7 +4765,7 @@
         <a:font script="Geor" typeface="Sylfaen"/>
       </a:majorFont>
       <a:minorFont>
-        <a:latin typeface="Calibri" panose="020F0502020204030204"/>
+        <a:latin typeface="Calibri"/>
         <a:ea typeface=""/>
         <a:cs typeface=""/>
         <a:font script="Jpan" typeface="ＭＳ Ｐゴシック"/>
@@ -4570,7 +4942,7 @@
   <a:extraClrSchemeLst/>
   <a:extLst>
     <a:ext uri="{05A4C25C-085E-4340-85A3-A5531E510DB2}">
-      <thm15:themeFamily xmlns:thm15="http://schemas.microsoft.com/office/thememl/2012/main" name="Office Theme" id="{62F939B6-93AF-4DB8-9C6B-D6C7DFDC589F}" vid="{4A3C46E8-61CC-4603-A589-7422A47A8E4A}"/>
+      <thm15:themeFamily xmlns:thm15="http://schemas.microsoft.com/office/thememl/2012/main" xmlns="" name="Office Theme" id="{62F939B6-93AF-4DB8-9C6B-D6C7DFDC589F}" vid="{4A3C46E8-61CC-4603-A589-7422A47A8E4A}"/>
     </a:ext>
   </a:extLst>
 </a:theme>
